--- a/01_FoundationProjects/08_Car-3_MPU6050_Gyroscope_Calibration_Offset_OLED/08_Car-3_MPU6050_Gyroscope_Calibration_Offset_OLED.pptx
+++ b/01_FoundationProjects/08_Car-3_MPU6050_Gyroscope_Calibration_Offset_OLED/08_Car-3_MPU6050_Gyroscope_Calibration_Offset_OLED.pptx
@@ -151,7 +151,7 @@
       </p:grpSpPr>
       <p:sp>
         <p:nvSpPr>
-          <p:cNvPr id="587384369" name="Header Placeholder 1"/>
+          <p:cNvPr id="1824366393" name="Header Placeholder 1"/>
           <p:cNvSpPr>
             <a:spLocks noGrp="1"/>
           </p:cNvSpPr>
@@ -185,7 +185,7 @@
       </p:sp>
       <p:sp>
         <p:nvSpPr>
-          <p:cNvPr id="856085068" name="Date Placeholder 2"/>
+          <p:cNvPr id="1114928640" name="Date Placeholder 2"/>
           <p:cNvSpPr>
             <a:spLocks noGrp="1"/>
           </p:cNvSpPr>
@@ -219,7 +219,7 @@
       </p:sp>
       <p:sp>
         <p:nvSpPr>
-          <p:cNvPr id="339153038" name="Date Placeholder 2"/>
+          <p:cNvPr id="220810613" name="Date Placeholder 2"/>
           <p:cNvSpPr>
             <a:spLocks noGrp="1"/>
           </p:cNvSpPr>
@@ -253,7 +253,7 @@
       </p:sp>
       <p:sp>
         <p:nvSpPr>
-          <p:cNvPr id="164698456" name="Notes Placeholder 4"/>
+          <p:cNvPr id="1114131362" name="Notes Placeholder 4"/>
           <p:cNvSpPr>
             <a:spLocks noGrp="1"/>
           </p:cNvSpPr>
@@ -283,7 +283,7 @@
       </p:sp>
       <p:sp>
         <p:nvSpPr>
-          <p:cNvPr id="1515314310" name="Footer Placeholder 5"/>
+          <p:cNvPr id="1370402331" name="Footer Placeholder 5"/>
           <p:cNvSpPr>
             <a:spLocks noGrp="1"/>
           </p:cNvSpPr>
@@ -317,7 +317,7 @@
       </p:sp>
       <p:sp>
         <p:nvSpPr>
-          <p:cNvPr id="236375627" name="Slide Number Placeholder 6"/>
+          <p:cNvPr id="412959467" name="Slide Number Placeholder 6"/>
           <p:cNvSpPr>
             <a:spLocks noGrp="1"/>
           </p:cNvSpPr>
@@ -466,7 +466,7 @@
       </p:grpSpPr>
       <p:sp>
         <p:nvSpPr>
-          <p:cNvPr id="325131368" name="Slide Image Placeholder 1"/>
+          <p:cNvPr id="775114341" name="Slide Image Placeholder 1"/>
           <p:cNvSpPr>
             <a:spLocks noChangeAspect="1" noGrp="1" noRot="1"/>
           </p:cNvSpPr>
@@ -478,7 +478,7 @@
       </p:sp>
       <p:sp>
         <p:nvSpPr>
-          <p:cNvPr id="395551702" name="Notes Placeholder 2"/>
+          <p:cNvPr id="1335385281" name="Notes Placeholder 2"/>
           <p:cNvSpPr>
             <a:spLocks noGrp="1"/>
           </p:cNvSpPr>
@@ -500,7 +500,7 @@
       </p:sp>
       <p:sp>
         <p:nvSpPr>
-          <p:cNvPr id="1852261480" name="Slide Number Placeholder 3"/>
+          <p:cNvPr id="1748206799" name="Slide Number Placeholder 3"/>
           <p:cNvSpPr>
             <a:spLocks noGrp="1"/>
           </p:cNvSpPr>
@@ -548,7 +548,7 @@
       </p:grpSpPr>
       <p:sp>
         <p:nvSpPr>
-          <p:cNvPr id="1442618545" name="Slide Image Placeholder 1"/>
+          <p:cNvPr id="515040101" name="Slide Image Placeholder 1"/>
           <p:cNvSpPr>
             <a:spLocks noChangeAspect="1" noGrp="1" noRot="1"/>
           </p:cNvSpPr>
@@ -560,7 +560,7 @@
       </p:sp>
       <p:sp>
         <p:nvSpPr>
-          <p:cNvPr id="102385245" name="Notes Placeholder 2"/>
+          <p:cNvPr id="1169009105" name="Notes Placeholder 2"/>
           <p:cNvSpPr>
             <a:spLocks noGrp="1"/>
           </p:cNvSpPr>
@@ -582,7 +582,7 @@
       </p:sp>
       <p:sp>
         <p:nvSpPr>
-          <p:cNvPr id="1281882500" name="Slide Number Placeholder 3"/>
+          <p:cNvPr id="1138645832" name="Slide Number Placeholder 3"/>
           <p:cNvSpPr>
             <a:spLocks noGrp="1"/>
           </p:cNvSpPr>
@@ -630,7 +630,7 @@
       </p:grpSpPr>
       <p:sp>
         <p:nvSpPr>
-          <p:cNvPr id="39757281" name="Slide Image Placeholder 1"/>
+          <p:cNvPr id="1262699450" name="Slide Image Placeholder 1"/>
           <p:cNvSpPr>
             <a:spLocks noChangeAspect="1" noGrp="1" noRot="1"/>
           </p:cNvSpPr>
@@ -642,7 +642,7 @@
       </p:sp>
       <p:sp>
         <p:nvSpPr>
-          <p:cNvPr id="169756385" name="Notes Placeholder 2"/>
+          <p:cNvPr id="964425648" name="Notes Placeholder 2"/>
           <p:cNvSpPr>
             <a:spLocks noGrp="1"/>
           </p:cNvSpPr>
@@ -664,7 +664,7 @@
       </p:sp>
       <p:sp>
         <p:nvSpPr>
-          <p:cNvPr id="1027238470" name="Slide Number Placeholder 3"/>
+          <p:cNvPr id="553712820" name="Slide Number Placeholder 3"/>
           <p:cNvSpPr>
             <a:spLocks noGrp="1"/>
           </p:cNvSpPr>
@@ -712,7 +712,7 @@
       </p:grpSpPr>
       <p:sp>
         <p:nvSpPr>
-          <p:cNvPr id="301249390" name="Slide Image Placeholder 1"/>
+          <p:cNvPr id="492990224" name="Slide Image Placeholder 1"/>
           <p:cNvSpPr>
             <a:spLocks noChangeAspect="1" noGrp="1" noRot="1"/>
           </p:cNvSpPr>
@@ -724,7 +724,7 @@
       </p:sp>
       <p:sp>
         <p:nvSpPr>
-          <p:cNvPr id="1307613965" name="Notes Placeholder 2"/>
+          <p:cNvPr id="361454359" name="Notes Placeholder 2"/>
           <p:cNvSpPr>
             <a:spLocks noGrp="1"/>
           </p:cNvSpPr>
@@ -746,7 +746,7 @@
       </p:sp>
       <p:sp>
         <p:nvSpPr>
-          <p:cNvPr id="1307716323" name="Slide Number Placeholder 3"/>
+          <p:cNvPr id="1005909688" name="Slide Number Placeholder 3"/>
           <p:cNvSpPr>
             <a:spLocks noGrp="1"/>
           </p:cNvSpPr>
@@ -794,7 +794,7 @@
       </p:grpSpPr>
       <p:sp>
         <p:nvSpPr>
-          <p:cNvPr id="2086419573" name="Slide Image Placeholder 1"/>
+          <p:cNvPr id="546924322" name="Slide Image Placeholder 1"/>
           <p:cNvSpPr>
             <a:spLocks noChangeAspect="1" noGrp="1" noRot="1"/>
           </p:cNvSpPr>
@@ -806,7 +806,7 @@
       </p:sp>
       <p:sp>
         <p:nvSpPr>
-          <p:cNvPr id="597551092" name="Notes Placeholder 2"/>
+          <p:cNvPr id="302207146" name="Notes Placeholder 2"/>
           <p:cNvSpPr>
             <a:spLocks noGrp="1"/>
           </p:cNvSpPr>
@@ -828,7 +828,7 @@
       </p:sp>
       <p:sp>
         <p:nvSpPr>
-          <p:cNvPr id="740299706" name="Slide Number Placeholder 3"/>
+          <p:cNvPr id="1374830743" name="Slide Number Placeholder 3"/>
           <p:cNvSpPr>
             <a:spLocks noGrp="1"/>
           </p:cNvSpPr>
@@ -876,7 +876,7 @@
       </p:grpSpPr>
       <p:sp>
         <p:nvSpPr>
-          <p:cNvPr id="1473823083" name="Slide Image Placeholder 1"/>
+          <p:cNvPr id="102560285" name="Slide Image Placeholder 1"/>
           <p:cNvSpPr>
             <a:spLocks noChangeAspect="1" noGrp="1" noRot="1"/>
           </p:cNvSpPr>
@@ -888,7 +888,7 @@
       </p:sp>
       <p:sp>
         <p:nvSpPr>
-          <p:cNvPr id="2015213852" name="Notes Placeholder 2"/>
+          <p:cNvPr id="179351248" name="Notes Placeholder 2"/>
           <p:cNvSpPr>
             <a:spLocks noGrp="1"/>
           </p:cNvSpPr>
@@ -910,7 +910,7 @@
       </p:sp>
       <p:sp>
         <p:nvSpPr>
-          <p:cNvPr id="501987076" name="Slide Number Placeholder 3"/>
+          <p:cNvPr id="256654841" name="Slide Number Placeholder 3"/>
           <p:cNvSpPr>
             <a:spLocks noGrp="1"/>
           </p:cNvSpPr>
@@ -958,7 +958,7 @@
       </p:grpSpPr>
       <p:sp>
         <p:nvSpPr>
-          <p:cNvPr id="615807177" name="Slide Image Placeholder 1"/>
+          <p:cNvPr id="1902407010" name="Slide Image Placeholder 1"/>
           <p:cNvSpPr>
             <a:spLocks noChangeAspect="1" noGrp="1" noRot="1"/>
           </p:cNvSpPr>
@@ -970,7 +970,7 @@
       </p:sp>
       <p:sp>
         <p:nvSpPr>
-          <p:cNvPr id="1267824158" name="Notes Placeholder 2"/>
+          <p:cNvPr id="77330743" name="Notes Placeholder 2"/>
           <p:cNvSpPr>
             <a:spLocks noGrp="1"/>
           </p:cNvSpPr>
@@ -992,7 +992,7 @@
       </p:sp>
       <p:sp>
         <p:nvSpPr>
-          <p:cNvPr id="972785867" name="Slide Number Placeholder 3"/>
+          <p:cNvPr id="1189664691" name="Slide Number Placeholder 3"/>
           <p:cNvSpPr>
             <a:spLocks noGrp="1"/>
           </p:cNvSpPr>
@@ -1040,7 +1040,7 @@
       </p:grpSpPr>
       <p:sp>
         <p:nvSpPr>
-          <p:cNvPr id="661675133" name="Slide Image Placeholder 1"/>
+          <p:cNvPr id="1960294021" name="Slide Image Placeholder 1"/>
           <p:cNvSpPr>
             <a:spLocks noChangeAspect="1" noGrp="1" noRot="1"/>
           </p:cNvSpPr>
@@ -1052,7 +1052,7 @@
       </p:sp>
       <p:sp>
         <p:nvSpPr>
-          <p:cNvPr id="1909138061" name="Notes Placeholder 2"/>
+          <p:cNvPr id="1218707372" name="Notes Placeholder 2"/>
           <p:cNvSpPr>
             <a:spLocks noGrp="1"/>
           </p:cNvSpPr>
@@ -1074,7 +1074,7 @@
       </p:sp>
       <p:sp>
         <p:nvSpPr>
-          <p:cNvPr id="236841300" name="Slide Number Placeholder 3"/>
+          <p:cNvPr id="1970142982" name="Slide Number Placeholder 3"/>
           <p:cNvSpPr>
             <a:spLocks noGrp="1"/>
           </p:cNvSpPr>
@@ -1122,7 +1122,7 @@
       </p:grpSpPr>
       <p:sp>
         <p:nvSpPr>
-          <p:cNvPr id="298597313" name="Slide Image Placeholder 1"/>
+          <p:cNvPr id="1498852468" name="Slide Image Placeholder 1"/>
           <p:cNvSpPr>
             <a:spLocks noChangeAspect="1" noGrp="1" noRot="1"/>
           </p:cNvSpPr>
@@ -1134,7 +1134,7 @@
       </p:sp>
       <p:sp>
         <p:nvSpPr>
-          <p:cNvPr id="709092550" name="Notes Placeholder 2"/>
+          <p:cNvPr id="391198215" name="Notes Placeholder 2"/>
           <p:cNvSpPr>
             <a:spLocks noGrp="1"/>
           </p:cNvSpPr>
@@ -1156,7 +1156,7 @@
       </p:sp>
       <p:sp>
         <p:nvSpPr>
-          <p:cNvPr id="977524718" name="Slide Number Placeholder 3"/>
+          <p:cNvPr id="716392977" name="Slide Number Placeholder 3"/>
           <p:cNvSpPr>
             <a:spLocks noGrp="1"/>
           </p:cNvSpPr>
@@ -1204,7 +1204,7 @@
       </p:grpSpPr>
       <p:sp>
         <p:nvSpPr>
-          <p:cNvPr id="130000185" name="Slide Image Placeholder 1"/>
+          <p:cNvPr id="428700123" name="Slide Image Placeholder 1"/>
           <p:cNvSpPr>
             <a:spLocks noChangeAspect="1" noGrp="1" noRot="1"/>
           </p:cNvSpPr>
@@ -1216,7 +1216,7 @@
       </p:sp>
       <p:sp>
         <p:nvSpPr>
-          <p:cNvPr id="756888241" name="Notes Placeholder 2"/>
+          <p:cNvPr id="584854616" name="Notes Placeholder 2"/>
           <p:cNvSpPr>
             <a:spLocks noGrp="1"/>
           </p:cNvSpPr>
@@ -1238,7 +1238,7 @@
       </p:sp>
       <p:sp>
         <p:nvSpPr>
-          <p:cNvPr id="1199672054" name="Slide Number Placeholder 3"/>
+          <p:cNvPr id="746978227" name="Slide Number Placeholder 3"/>
           <p:cNvSpPr>
             <a:spLocks noGrp="1"/>
           </p:cNvSpPr>
@@ -1286,7 +1286,7 @@
       </p:grpSpPr>
       <p:sp>
         <p:nvSpPr>
-          <p:cNvPr id="51717103" name="Slide Image Placeholder 1"/>
+          <p:cNvPr id="776904137" name="Slide Image Placeholder 1"/>
           <p:cNvSpPr>
             <a:spLocks noChangeAspect="1" noGrp="1" noRot="1"/>
           </p:cNvSpPr>
@@ -1298,7 +1298,7 @@
       </p:sp>
       <p:sp>
         <p:nvSpPr>
-          <p:cNvPr id="1712173415" name="Notes Placeholder 2"/>
+          <p:cNvPr id="1753453942" name="Notes Placeholder 2"/>
           <p:cNvSpPr>
             <a:spLocks noGrp="1"/>
           </p:cNvSpPr>
@@ -1320,7 +1320,7 @@
       </p:sp>
       <p:sp>
         <p:nvSpPr>
-          <p:cNvPr id="486242059" name="Slide Number Placeholder 3"/>
+          <p:cNvPr id="26539782" name="Slide Number Placeholder 3"/>
           <p:cNvSpPr>
             <a:spLocks noGrp="1"/>
           </p:cNvSpPr>
@@ -1368,7 +1368,7 @@
       </p:grpSpPr>
       <p:sp>
         <p:nvSpPr>
-          <p:cNvPr id="1402613522" name="Slide Image Placeholder 1"/>
+          <p:cNvPr id="638424800" name="Slide Image Placeholder 1"/>
           <p:cNvSpPr>
             <a:spLocks noChangeAspect="1" noGrp="1" noRot="1"/>
           </p:cNvSpPr>
@@ -1380,7 +1380,7 @@
       </p:sp>
       <p:sp>
         <p:nvSpPr>
-          <p:cNvPr id="1828441674" name="Notes Placeholder 2"/>
+          <p:cNvPr id="1228114845" name="Notes Placeholder 2"/>
           <p:cNvSpPr>
             <a:spLocks noGrp="1"/>
           </p:cNvSpPr>
@@ -1402,7 +1402,7 @@
       </p:sp>
       <p:sp>
         <p:nvSpPr>
-          <p:cNvPr id="1658217698" name="Slide Number Placeholder 3"/>
+          <p:cNvPr id="477007577" name="Slide Number Placeholder 3"/>
           <p:cNvSpPr>
             <a:spLocks noGrp="1"/>
           </p:cNvSpPr>
@@ -1450,7 +1450,7 @@
       </p:grpSpPr>
       <p:sp>
         <p:nvSpPr>
-          <p:cNvPr id="1943233398" name="Slide Image Placeholder 1"/>
+          <p:cNvPr id="72426228" name="Slide Image Placeholder 1"/>
           <p:cNvSpPr>
             <a:spLocks noChangeAspect="1" noGrp="1" noRot="1"/>
           </p:cNvSpPr>
@@ -1462,7 +1462,7 @@
       </p:sp>
       <p:sp>
         <p:nvSpPr>
-          <p:cNvPr id="2060730229" name="Notes Placeholder 2"/>
+          <p:cNvPr id="1353773958" name="Notes Placeholder 2"/>
           <p:cNvSpPr>
             <a:spLocks noGrp="1"/>
           </p:cNvSpPr>
@@ -1484,7 +1484,7 @@
       </p:sp>
       <p:sp>
         <p:nvSpPr>
-          <p:cNvPr id="274927857" name="Slide Number Placeholder 3"/>
+          <p:cNvPr id="847714850" name="Slide Number Placeholder 3"/>
           <p:cNvSpPr>
             <a:spLocks noGrp="1"/>
           </p:cNvSpPr>
@@ -1532,7 +1532,7 @@
       </p:grpSpPr>
       <p:sp>
         <p:nvSpPr>
-          <p:cNvPr id="944366349" name="Slide Image Placeholder 1"/>
+          <p:cNvPr id="300665135" name="Slide Image Placeholder 1"/>
           <p:cNvSpPr>
             <a:spLocks noChangeAspect="1" noGrp="1" noRot="1"/>
           </p:cNvSpPr>
@@ -1544,7 +1544,7 @@
       </p:sp>
       <p:sp>
         <p:nvSpPr>
-          <p:cNvPr id="867392169" name="Notes Placeholder 2"/>
+          <p:cNvPr id="1807647423" name="Notes Placeholder 2"/>
           <p:cNvSpPr>
             <a:spLocks noGrp="1"/>
           </p:cNvSpPr>
@@ -1566,7 +1566,7 @@
       </p:sp>
       <p:sp>
         <p:nvSpPr>
-          <p:cNvPr id="1324697961" name="Slide Number Placeholder 3"/>
+          <p:cNvPr id="1262586123" name="Slide Number Placeholder 3"/>
           <p:cNvSpPr>
             <a:spLocks noGrp="1"/>
           </p:cNvSpPr>
@@ -1614,7 +1614,7 @@
       </p:grpSpPr>
       <p:sp>
         <p:nvSpPr>
-          <p:cNvPr id="1197328235" name="Slide Image Placeholder 1"/>
+          <p:cNvPr id="1936624679" name="Slide Image Placeholder 1"/>
           <p:cNvSpPr>
             <a:spLocks noChangeAspect="1" noGrp="1" noRot="1"/>
           </p:cNvSpPr>
@@ -1626,7 +1626,7 @@
       </p:sp>
       <p:sp>
         <p:nvSpPr>
-          <p:cNvPr id="349162501" name="Notes Placeholder 2"/>
+          <p:cNvPr id="245090982" name="Notes Placeholder 2"/>
           <p:cNvSpPr>
             <a:spLocks noGrp="1"/>
           </p:cNvSpPr>
@@ -1648,7 +1648,7 @@
       </p:sp>
       <p:sp>
         <p:nvSpPr>
-          <p:cNvPr id="1252366981" name="Slide Number Placeholder 3"/>
+          <p:cNvPr id="97477599" name="Slide Number Placeholder 3"/>
           <p:cNvSpPr>
             <a:spLocks noGrp="1"/>
           </p:cNvSpPr>
@@ -1696,7 +1696,7 @@
       </p:grpSpPr>
       <p:sp>
         <p:nvSpPr>
-          <p:cNvPr id="763813325" name="Slide Image Placeholder 1"/>
+          <p:cNvPr id="1561283337" name="Slide Image Placeholder 1"/>
           <p:cNvSpPr>
             <a:spLocks noChangeAspect="1" noGrp="1" noRot="1"/>
           </p:cNvSpPr>
@@ -1708,7 +1708,7 @@
       </p:sp>
       <p:sp>
         <p:nvSpPr>
-          <p:cNvPr id="908604380" name="Notes Placeholder 2"/>
+          <p:cNvPr id="908661378" name="Notes Placeholder 2"/>
           <p:cNvSpPr>
             <a:spLocks noGrp="1"/>
           </p:cNvSpPr>
@@ -1730,7 +1730,7 @@
       </p:sp>
       <p:sp>
         <p:nvSpPr>
-          <p:cNvPr id="996587511" name="Slide Number Placeholder 3"/>
+          <p:cNvPr id="239673265" name="Slide Number Placeholder 3"/>
           <p:cNvSpPr>
             <a:spLocks noGrp="1"/>
           </p:cNvSpPr>
@@ -1778,7 +1778,7 @@
       </p:grpSpPr>
       <p:sp>
         <p:nvSpPr>
-          <p:cNvPr id="256371040" name="Slide Image Placeholder 1"/>
+          <p:cNvPr id="209807659" name="Slide Image Placeholder 1"/>
           <p:cNvSpPr>
             <a:spLocks noChangeAspect="1" noGrp="1" noRot="1"/>
           </p:cNvSpPr>
@@ -1790,7 +1790,7 @@
       </p:sp>
       <p:sp>
         <p:nvSpPr>
-          <p:cNvPr id="1504781372" name="Notes Placeholder 2"/>
+          <p:cNvPr id="1761120670" name="Notes Placeholder 2"/>
           <p:cNvSpPr>
             <a:spLocks noGrp="1"/>
           </p:cNvSpPr>
@@ -1812,7 +1812,7 @@
       </p:sp>
       <p:sp>
         <p:nvSpPr>
-          <p:cNvPr id="2042533783" name="Slide Number Placeholder 3"/>
+          <p:cNvPr id="614512333" name="Slide Number Placeholder 3"/>
           <p:cNvSpPr>
             <a:spLocks noGrp="1"/>
           </p:cNvSpPr>
@@ -1860,7 +1860,7 @@
       </p:grpSpPr>
       <p:sp>
         <p:nvSpPr>
-          <p:cNvPr id="195572970" name="Slide Image Placeholder 1"/>
+          <p:cNvPr id="147327977" name="Slide Image Placeholder 1"/>
           <p:cNvSpPr>
             <a:spLocks noChangeAspect="1" noGrp="1" noRot="1"/>
           </p:cNvSpPr>
@@ -1872,7 +1872,7 @@
       </p:sp>
       <p:sp>
         <p:nvSpPr>
-          <p:cNvPr id="1065434709" name="Notes Placeholder 2"/>
+          <p:cNvPr id="575354723" name="Notes Placeholder 2"/>
           <p:cNvSpPr>
             <a:spLocks noGrp="1"/>
           </p:cNvSpPr>
@@ -1894,7 +1894,7 @@
       </p:sp>
       <p:sp>
         <p:nvSpPr>
-          <p:cNvPr id="413921525" name="Slide Number Placeholder 3"/>
+          <p:cNvPr id="756126957" name="Slide Number Placeholder 3"/>
           <p:cNvSpPr>
             <a:spLocks noGrp="1"/>
           </p:cNvSpPr>
@@ -1942,7 +1942,7 @@
       </p:grpSpPr>
       <p:sp>
         <p:nvSpPr>
-          <p:cNvPr id="1675602102" name="Title 1"/>
+          <p:cNvPr id="2108480654" name="Title 1"/>
           <p:cNvSpPr>
             <a:spLocks noGrp="1"/>
           </p:cNvSpPr>
@@ -1977,7 +1977,7 @@
       </p:sp>
       <p:sp>
         <p:nvSpPr>
-          <p:cNvPr id="208287046" name="Subtitle 2"/>
+          <p:cNvPr id="1494000872" name="Subtitle 2"/>
           <p:cNvSpPr>
             <a:spLocks noGrp="1"/>
           </p:cNvSpPr>
@@ -2045,7 +2045,7 @@
       </p:sp>
       <p:sp>
         <p:nvSpPr>
-          <p:cNvPr id="2119178143" name="Date Placeholder 3"/>
+          <p:cNvPr id="1691579192" name="Date Placeholder 3"/>
           <p:cNvSpPr>
             <a:spLocks noGrp="1"/>
           </p:cNvSpPr>
@@ -2071,7 +2071,7 @@
       </p:sp>
       <p:sp>
         <p:nvSpPr>
-          <p:cNvPr id="152655388" name="Footer Placeholder 4"/>
+          <p:cNvPr id="2127868058" name="Footer Placeholder 4"/>
           <p:cNvSpPr>
             <a:spLocks noGrp="1"/>
           </p:cNvSpPr>
@@ -2093,7 +2093,7 @@
       </p:sp>
       <p:sp>
         <p:nvSpPr>
-          <p:cNvPr id="554713241" name="Slide Number Placeholder 5"/>
+          <p:cNvPr id="742239078" name="Slide Number Placeholder 5"/>
           <p:cNvSpPr>
             <a:spLocks noGrp="1"/>
           </p:cNvSpPr>
@@ -2144,7 +2144,7 @@
       </p:grpSpPr>
       <p:sp>
         <p:nvSpPr>
-          <p:cNvPr id="1947951386" name="Title 1"/>
+          <p:cNvPr id="2033701727" name="Title 1"/>
           <p:cNvSpPr>
             <a:spLocks noGrp="1"/>
           </p:cNvSpPr>
@@ -2170,7 +2170,7 @@
       </p:sp>
       <p:sp>
         <p:nvSpPr>
-          <p:cNvPr id="239845530" name="Vertical Text Placeholder 2"/>
+          <p:cNvPr id="1913739699" name="Vertical Text Placeholder 2"/>
           <p:cNvSpPr>
             <a:spLocks noGrp="1"/>
           </p:cNvSpPr>
@@ -2236,7 +2236,7 @@
       </p:sp>
       <p:sp>
         <p:nvSpPr>
-          <p:cNvPr id="2004240730" name="Date Placeholder 3"/>
+          <p:cNvPr id="2057216376" name="Date Placeholder 3"/>
           <p:cNvSpPr>
             <a:spLocks noGrp="1"/>
           </p:cNvSpPr>
@@ -2262,7 +2262,7 @@
       </p:sp>
       <p:sp>
         <p:nvSpPr>
-          <p:cNvPr id="473929952" name="Footer Placeholder 4"/>
+          <p:cNvPr id="1621951996" name="Footer Placeholder 4"/>
           <p:cNvSpPr>
             <a:spLocks noGrp="1"/>
           </p:cNvSpPr>
@@ -2284,7 +2284,7 @@
       </p:sp>
       <p:sp>
         <p:nvSpPr>
-          <p:cNvPr id="1055782926" name="Slide Number Placeholder 5"/>
+          <p:cNvPr id="840134430" name="Slide Number Placeholder 5"/>
           <p:cNvSpPr>
             <a:spLocks noGrp="1"/>
           </p:cNvSpPr>
@@ -2335,7 +2335,7 @@
       </p:grpSpPr>
       <p:sp>
         <p:nvSpPr>
-          <p:cNvPr id="1179177406" name="Vertical Title 1"/>
+          <p:cNvPr id="1835347306" name="Vertical Title 1"/>
           <p:cNvSpPr>
             <a:spLocks noGrp="1"/>
           </p:cNvSpPr>
@@ -2366,7 +2366,7 @@
       </p:sp>
       <p:sp>
         <p:nvSpPr>
-          <p:cNvPr id="606047570" name="Vertical Text Placeholder 2"/>
+          <p:cNvPr id="214500870" name="Vertical Text Placeholder 2"/>
           <p:cNvSpPr>
             <a:spLocks noGrp="1"/>
           </p:cNvSpPr>
@@ -2437,7 +2437,7 @@
       </p:sp>
       <p:sp>
         <p:nvSpPr>
-          <p:cNvPr id="635169031" name="Date Placeholder 3"/>
+          <p:cNvPr id="2087634920" name="Date Placeholder 3"/>
           <p:cNvSpPr>
             <a:spLocks noGrp="1"/>
           </p:cNvSpPr>
@@ -2463,7 +2463,7 @@
       </p:sp>
       <p:sp>
         <p:nvSpPr>
-          <p:cNvPr id="237973639" name="Footer Placeholder 4"/>
+          <p:cNvPr id="1326709947" name="Footer Placeholder 4"/>
           <p:cNvSpPr>
             <a:spLocks noGrp="1"/>
           </p:cNvSpPr>
@@ -2485,7 +2485,7 @@
       </p:sp>
       <p:sp>
         <p:nvSpPr>
-          <p:cNvPr id="1819479525" name="Slide Number Placeholder 5"/>
+          <p:cNvPr id="2108122110" name="Slide Number Placeholder 5"/>
           <p:cNvSpPr>
             <a:spLocks noGrp="1"/>
           </p:cNvSpPr>
@@ -2536,7 +2536,7 @@
       </p:grpSpPr>
       <p:sp>
         <p:nvSpPr>
-          <p:cNvPr id="359010333" name="Title 1"/>
+          <p:cNvPr id="621279553" name="Title 1"/>
           <p:cNvSpPr>
             <a:spLocks noGrp="1"/>
           </p:cNvSpPr>
@@ -2562,7 +2562,7 @@
       </p:sp>
       <p:sp>
         <p:nvSpPr>
-          <p:cNvPr id="505246003" name="Content Placeholder 2"/>
+          <p:cNvPr id="400547217" name="Content Placeholder 2"/>
           <p:cNvSpPr>
             <a:spLocks noGrp="1"/>
           </p:cNvSpPr>
@@ -2628,7 +2628,7 @@
       </p:sp>
       <p:sp>
         <p:nvSpPr>
-          <p:cNvPr id="1219561893" name="Date Placeholder 3"/>
+          <p:cNvPr id="1259832615" name="Date Placeholder 3"/>
           <p:cNvSpPr>
             <a:spLocks noGrp="1"/>
           </p:cNvSpPr>
@@ -2654,7 +2654,7 @@
       </p:sp>
       <p:sp>
         <p:nvSpPr>
-          <p:cNvPr id="688543289" name="Footer Placeholder 4"/>
+          <p:cNvPr id="2058761977" name="Footer Placeholder 4"/>
           <p:cNvSpPr>
             <a:spLocks noGrp="1"/>
           </p:cNvSpPr>
@@ -2676,7 +2676,7 @@
       </p:sp>
       <p:sp>
         <p:nvSpPr>
-          <p:cNvPr id="513999481" name="Slide Number Placeholder 5"/>
+          <p:cNvPr id="460156024" name="Slide Number Placeholder 5"/>
           <p:cNvSpPr>
             <a:spLocks noGrp="1"/>
           </p:cNvSpPr>
@@ -2727,7 +2727,7 @@
       </p:grpSpPr>
       <p:sp>
         <p:nvSpPr>
-          <p:cNvPr id="1900023871" name="Title 1"/>
+          <p:cNvPr id="772012038" name="Title 1"/>
           <p:cNvSpPr>
             <a:spLocks noGrp="1"/>
           </p:cNvSpPr>
@@ -2762,7 +2762,7 @@
       </p:sp>
       <p:sp>
         <p:nvSpPr>
-          <p:cNvPr id="225021765" name="Text Placeholder 2"/>
+          <p:cNvPr id="132651075" name="Text Placeholder 2"/>
           <p:cNvSpPr>
             <a:spLocks noGrp="1"/>
           </p:cNvSpPr>
@@ -2884,7 +2884,7 @@
       </p:sp>
       <p:sp>
         <p:nvSpPr>
-          <p:cNvPr id="724321680" name="Date Placeholder 3"/>
+          <p:cNvPr id="1522797789" name="Date Placeholder 3"/>
           <p:cNvSpPr>
             <a:spLocks noGrp="1"/>
           </p:cNvSpPr>
@@ -2910,7 +2910,7 @@
       </p:sp>
       <p:sp>
         <p:nvSpPr>
-          <p:cNvPr id="228762500" name="Footer Placeholder 4"/>
+          <p:cNvPr id="6350645" name="Footer Placeholder 4"/>
           <p:cNvSpPr>
             <a:spLocks noGrp="1"/>
           </p:cNvSpPr>
@@ -2932,7 +2932,7 @@
       </p:sp>
       <p:sp>
         <p:nvSpPr>
-          <p:cNvPr id="111398820" name="Slide Number Placeholder 5"/>
+          <p:cNvPr id="1397230138" name="Slide Number Placeholder 5"/>
           <p:cNvSpPr>
             <a:spLocks noGrp="1"/>
           </p:cNvSpPr>
@@ -2983,7 +2983,7 @@
       </p:grpSpPr>
       <p:sp>
         <p:nvSpPr>
-          <p:cNvPr id="1555662024" name="Title 1"/>
+          <p:cNvPr id="1475448106" name="Title 1"/>
           <p:cNvSpPr>
             <a:spLocks noGrp="1"/>
           </p:cNvSpPr>
@@ -3009,7 +3009,7 @@
       </p:sp>
       <p:sp>
         <p:nvSpPr>
-          <p:cNvPr id="1387972465" name="Content Placeholder 2"/>
+          <p:cNvPr id="1668407325" name="Content Placeholder 2"/>
           <p:cNvSpPr>
             <a:spLocks noGrp="1"/>
           </p:cNvSpPr>
@@ -3080,7 +3080,7 @@
       </p:sp>
       <p:sp>
         <p:nvSpPr>
-          <p:cNvPr id="2047956490" name="Content Placeholder 3"/>
+          <p:cNvPr id="1309824533" name="Content Placeholder 3"/>
           <p:cNvSpPr>
             <a:spLocks noGrp="1"/>
           </p:cNvSpPr>
@@ -3151,7 +3151,7 @@
       </p:sp>
       <p:sp>
         <p:nvSpPr>
-          <p:cNvPr id="951900839" name="Date Placeholder 4"/>
+          <p:cNvPr id="51759695" name="Date Placeholder 4"/>
           <p:cNvSpPr>
             <a:spLocks noGrp="1"/>
           </p:cNvSpPr>
@@ -3177,7 +3177,7 @@
       </p:sp>
       <p:sp>
         <p:nvSpPr>
-          <p:cNvPr id="1998275431" name="Footer Placeholder 5"/>
+          <p:cNvPr id="848895271" name="Footer Placeholder 5"/>
           <p:cNvSpPr>
             <a:spLocks noGrp="1"/>
           </p:cNvSpPr>
@@ -3199,7 +3199,7 @@
       </p:sp>
       <p:sp>
         <p:nvSpPr>
-          <p:cNvPr id="2120043048" name="Slide Number Placeholder 6"/>
+          <p:cNvPr id="1886278234" name="Slide Number Placeholder 6"/>
           <p:cNvSpPr>
             <a:spLocks noGrp="1"/>
           </p:cNvSpPr>
@@ -3250,7 +3250,7 @@
       </p:grpSpPr>
       <p:sp>
         <p:nvSpPr>
-          <p:cNvPr id="8998186" name="Title 1"/>
+          <p:cNvPr id="2091661794" name="Title 1"/>
           <p:cNvSpPr>
             <a:spLocks noGrp="1"/>
           </p:cNvSpPr>
@@ -3281,7 +3281,7 @@
       </p:sp>
       <p:sp>
         <p:nvSpPr>
-          <p:cNvPr id="1246241711" name="Text Placeholder 2"/>
+          <p:cNvPr id="1259888208" name="Text Placeholder 2"/>
           <p:cNvSpPr>
             <a:spLocks noGrp="1"/>
           </p:cNvSpPr>
@@ -3349,7 +3349,7 @@
       </p:sp>
       <p:sp>
         <p:nvSpPr>
-          <p:cNvPr id="1390728925" name="Content Placeholder 3"/>
+          <p:cNvPr id="1886675087" name="Content Placeholder 3"/>
           <p:cNvSpPr>
             <a:spLocks noGrp="1"/>
           </p:cNvSpPr>
@@ -3420,7 +3420,7 @@
       </p:sp>
       <p:sp>
         <p:nvSpPr>
-          <p:cNvPr id="275706860" name="Text Placeholder 4"/>
+          <p:cNvPr id="2027879641" name="Text Placeholder 4"/>
           <p:cNvSpPr>
             <a:spLocks noGrp="1"/>
           </p:cNvSpPr>
@@ -3488,7 +3488,7 @@
       </p:sp>
       <p:sp>
         <p:nvSpPr>
-          <p:cNvPr id="512760231" name="Content Placeholder 5"/>
+          <p:cNvPr id="1392964471" name="Content Placeholder 5"/>
           <p:cNvSpPr>
             <a:spLocks noGrp="1"/>
           </p:cNvSpPr>
@@ -3559,7 +3559,7 @@
       </p:sp>
       <p:sp>
         <p:nvSpPr>
-          <p:cNvPr id="503959208" name="Date Placeholder 6"/>
+          <p:cNvPr id="435017101" name="Date Placeholder 6"/>
           <p:cNvSpPr>
             <a:spLocks noGrp="1"/>
           </p:cNvSpPr>
@@ -3585,7 +3585,7 @@
       </p:sp>
       <p:sp>
         <p:nvSpPr>
-          <p:cNvPr id="1263762630" name="Footer Placeholder 7"/>
+          <p:cNvPr id="1368480518" name="Footer Placeholder 7"/>
           <p:cNvSpPr>
             <a:spLocks noGrp="1"/>
           </p:cNvSpPr>
@@ -3607,7 +3607,7 @@
       </p:sp>
       <p:sp>
         <p:nvSpPr>
-          <p:cNvPr id="298230159" name="Slide Number Placeholder 8"/>
+          <p:cNvPr id="209944217" name="Slide Number Placeholder 8"/>
           <p:cNvSpPr>
             <a:spLocks noGrp="1"/>
           </p:cNvSpPr>
@@ -3658,7 +3658,7 @@
       </p:grpSpPr>
       <p:sp>
         <p:nvSpPr>
-          <p:cNvPr id="195243868" name="Title 1"/>
+          <p:cNvPr id="167797385" name="Title 1"/>
           <p:cNvSpPr>
             <a:spLocks noGrp="1"/>
           </p:cNvSpPr>
@@ -3684,7 +3684,7 @@
       </p:sp>
       <p:sp>
         <p:nvSpPr>
-          <p:cNvPr id="1830710698" name="Date Placeholder 2"/>
+          <p:cNvPr id="1417782025" name="Date Placeholder 2"/>
           <p:cNvSpPr>
             <a:spLocks noGrp="1"/>
           </p:cNvSpPr>
@@ -3710,7 +3710,7 @@
       </p:sp>
       <p:sp>
         <p:nvSpPr>
-          <p:cNvPr id="765924389" name="Footer Placeholder 3"/>
+          <p:cNvPr id="1055835153" name="Footer Placeholder 3"/>
           <p:cNvSpPr>
             <a:spLocks noGrp="1"/>
           </p:cNvSpPr>
@@ -3732,7 +3732,7 @@
       </p:sp>
       <p:sp>
         <p:nvSpPr>
-          <p:cNvPr id="909420807" name="Slide Number Placeholder 4"/>
+          <p:cNvPr id="589071361" name="Slide Number Placeholder 4"/>
           <p:cNvSpPr>
             <a:spLocks noGrp="1"/>
           </p:cNvSpPr>
@@ -3783,7 +3783,7 @@
       </p:grpSpPr>
       <p:sp>
         <p:nvSpPr>
-          <p:cNvPr id="1906719507" name="Date Placeholder 1"/>
+          <p:cNvPr id="2037934888" name="Date Placeholder 1"/>
           <p:cNvSpPr>
             <a:spLocks noGrp="1"/>
           </p:cNvSpPr>
@@ -3809,7 +3809,7 @@
       </p:sp>
       <p:sp>
         <p:nvSpPr>
-          <p:cNvPr id="2085650492" name="Footer Placeholder 2"/>
+          <p:cNvPr id="356718922" name="Footer Placeholder 2"/>
           <p:cNvSpPr>
             <a:spLocks noGrp="1"/>
           </p:cNvSpPr>
@@ -3831,7 +3831,7 @@
       </p:sp>
       <p:sp>
         <p:nvSpPr>
-          <p:cNvPr id="895852114" name="Slide Number Placeholder 3"/>
+          <p:cNvPr id="1567097524" name="Slide Number Placeholder 3"/>
           <p:cNvSpPr>
             <a:spLocks noGrp="1"/>
           </p:cNvSpPr>
@@ -3882,7 +3882,7 @@
       </p:grpSpPr>
       <p:sp>
         <p:nvSpPr>
-          <p:cNvPr id="1594976433" name="Title 1"/>
+          <p:cNvPr id="686400734" name="Title 1"/>
           <p:cNvSpPr>
             <a:spLocks noGrp="1"/>
           </p:cNvSpPr>
@@ -3917,7 +3917,7 @@
       </p:sp>
       <p:sp>
         <p:nvSpPr>
-          <p:cNvPr id="297387467" name="Content Placeholder 2"/>
+          <p:cNvPr id="1579061129" name="Content Placeholder 2"/>
           <p:cNvSpPr>
             <a:spLocks noGrp="1"/>
           </p:cNvSpPr>
@@ -4016,7 +4016,7 @@
       </p:sp>
       <p:sp>
         <p:nvSpPr>
-          <p:cNvPr id="1477431601" name="Text Placeholder 3"/>
+          <p:cNvPr id="2136391358" name="Text Placeholder 3"/>
           <p:cNvSpPr>
             <a:spLocks noGrp="1"/>
           </p:cNvSpPr>
@@ -4084,7 +4084,7 @@
       </p:sp>
       <p:sp>
         <p:nvSpPr>
-          <p:cNvPr id="473136285" name="Date Placeholder 4"/>
+          <p:cNvPr id="463070161" name="Date Placeholder 4"/>
           <p:cNvSpPr>
             <a:spLocks noGrp="1"/>
           </p:cNvSpPr>
@@ -4110,7 +4110,7 @@
       </p:sp>
       <p:sp>
         <p:nvSpPr>
-          <p:cNvPr id="372004340" name="Footer Placeholder 5"/>
+          <p:cNvPr id="766715906" name="Footer Placeholder 5"/>
           <p:cNvSpPr>
             <a:spLocks noGrp="1"/>
           </p:cNvSpPr>
@@ -4132,7 +4132,7 @@
       </p:sp>
       <p:sp>
         <p:nvSpPr>
-          <p:cNvPr id="1054675784" name="Slide Number Placeholder 6"/>
+          <p:cNvPr id="1089544429" name="Slide Number Placeholder 6"/>
           <p:cNvSpPr>
             <a:spLocks noGrp="1"/>
           </p:cNvSpPr>
@@ -4183,7 +4183,7 @@
       </p:grpSpPr>
       <p:sp>
         <p:nvSpPr>
-          <p:cNvPr id="1244996976" name="Title 1"/>
+          <p:cNvPr id="62483070" name="Title 1"/>
           <p:cNvSpPr>
             <a:spLocks noGrp="1"/>
           </p:cNvSpPr>
@@ -4218,7 +4218,7 @@
       </p:sp>
       <p:sp>
         <p:nvSpPr>
-          <p:cNvPr id="1011273379" name="Picture Placeholder 2"/>
+          <p:cNvPr id="849507061" name="Picture Placeholder 2"/>
           <p:cNvSpPr>
             <a:spLocks noGrp="1"/>
           </p:cNvSpPr>
@@ -4282,7 +4282,7 @@
       </p:sp>
       <p:sp>
         <p:nvSpPr>
-          <p:cNvPr id="1920285322" name="Text Placeholder 3"/>
+          <p:cNvPr id="2145202641" name="Text Placeholder 3"/>
           <p:cNvSpPr>
             <a:spLocks noGrp="1"/>
           </p:cNvSpPr>
@@ -4350,7 +4350,7 @@
       </p:sp>
       <p:sp>
         <p:nvSpPr>
-          <p:cNvPr id="85449290" name="Date Placeholder 4"/>
+          <p:cNvPr id="1609793983" name="Date Placeholder 4"/>
           <p:cNvSpPr>
             <a:spLocks noGrp="1"/>
           </p:cNvSpPr>
@@ -4376,7 +4376,7 @@
       </p:sp>
       <p:sp>
         <p:nvSpPr>
-          <p:cNvPr id="698592463" name="Footer Placeholder 5"/>
+          <p:cNvPr id="1660746561" name="Footer Placeholder 5"/>
           <p:cNvSpPr>
             <a:spLocks noGrp="1"/>
           </p:cNvSpPr>
@@ -4398,7 +4398,7 @@
       </p:sp>
       <p:sp>
         <p:nvSpPr>
-          <p:cNvPr id="1170017107" name="Slide Number Placeholder 6"/>
+          <p:cNvPr id="97697337" name="Slide Number Placeholder 6"/>
           <p:cNvSpPr>
             <a:spLocks noGrp="1"/>
           </p:cNvSpPr>
@@ -4454,7 +4454,7 @@
       </p:grpSpPr>
       <p:sp>
         <p:nvSpPr>
-          <p:cNvPr id="1671952132" name="Title Placeholder 1"/>
+          <p:cNvPr id="506787430" name="Title Placeholder 1"/>
           <p:cNvSpPr>
             <a:spLocks noGrp="1"/>
           </p:cNvSpPr>
@@ -4490,7 +4490,7 @@
       </p:sp>
       <p:sp>
         <p:nvSpPr>
-          <p:cNvPr id="1422614401" name="Text Placeholder 2"/>
+          <p:cNvPr id="422164548" name="Text Placeholder 2"/>
           <p:cNvSpPr>
             <a:spLocks noGrp="1"/>
           </p:cNvSpPr>
@@ -4566,7 +4566,7 @@
       </p:sp>
       <p:sp>
         <p:nvSpPr>
-          <p:cNvPr id="1882720409" name="Date Placeholder 3"/>
+          <p:cNvPr id="1221976468" name="Date Placeholder 3"/>
           <p:cNvSpPr>
             <a:spLocks noGrp="1"/>
           </p:cNvSpPr>
@@ -4610,7 +4610,7 @@
       </p:sp>
       <p:sp>
         <p:nvSpPr>
-          <p:cNvPr id="1433020788" name="Footer Placeholder 4"/>
+          <p:cNvPr id="443124403" name="Footer Placeholder 4"/>
           <p:cNvSpPr>
             <a:spLocks noGrp="1"/>
           </p:cNvSpPr>
@@ -4650,7 +4650,7 @@
       </p:sp>
       <p:sp>
         <p:nvSpPr>
-          <p:cNvPr id="966782111" name="Slide Number Placeholder 5"/>
+          <p:cNvPr id="1969049904" name="Slide Number Placeholder 5"/>
           <p:cNvSpPr>
             <a:spLocks noGrp="1"/>
           </p:cNvSpPr>
@@ -5017,7 +5017,7 @@
       </p:grpSpPr>
       <p:sp>
         <p:nvSpPr>
-          <p:cNvPr id="624320052" name="Title 1"/>
+          <p:cNvPr id="203934732" name="Title 1"/>
           <p:cNvSpPr>
             <a:spLocks noGrp="1"/>
           </p:cNvSpPr>
@@ -5052,7 +5052,7 @@
       </p:sp>
       <p:sp>
         <p:nvSpPr>
-          <p:cNvPr id="632596015" name="Subtitle 2"/>
+          <p:cNvPr id="834992134" name="Subtitle 2"/>
           <p:cNvSpPr>
             <a:spLocks noGrp="1"/>
           </p:cNvSpPr>
@@ -5178,7 +5178,7 @@
       </p:sp>
       <p:pic>
         <p:nvPicPr>
-          <p:cNvPr id="1690748095" name="Picture 3"/>
+          <p:cNvPr id="848512666" name="Picture 3"/>
           <p:cNvPicPr>
             <a:picLocks noChangeAspect="1"/>
           </p:cNvPicPr>
@@ -5240,7 +5240,7 @@
       </p:grpSpPr>
       <p:sp>
         <p:nvSpPr>
-          <p:cNvPr id="2075453135" name="Title 1"/>
+          <p:cNvPr id="1667257648" name="Title 1"/>
           <p:cNvSpPr>
             <a:spLocks noGrp="1"/>
           </p:cNvSpPr>
@@ -5280,7 +5280,7 @@
       </p:sp>
       <p:sp>
         <p:nvSpPr>
-          <p:cNvPr id="1002201811" name="Content Placeholder 2"/>
+          <p:cNvPr id="1368517607" name="Content Placeholder 2"/>
           <p:cNvSpPr>
             <a:spLocks noGrp="1"/>
           </p:cNvSpPr>
@@ -5343,7 +5343,7 @@
       </p:sp>
       <p:pic>
         <p:nvPicPr>
-          <p:cNvPr id="213268446" name="Picture 3"/>
+          <p:cNvPr id="1449711813" name="Picture 3"/>
           <p:cNvPicPr>
             <a:picLocks noChangeAspect="1"/>
           </p:cNvPicPr>
@@ -5365,7 +5365,7 @@
       </p:pic>
       <p:pic>
         <p:nvPicPr>
-          <p:cNvPr id="647969931" name=""/>
+          <p:cNvPr id="1262831137" name=""/>
           <p:cNvPicPr>
             <a:picLocks noChangeAspect="1"/>
           </p:cNvPicPr>
@@ -5387,7 +5387,7 @@
       </p:pic>
       <p:sp>
         <p:nvSpPr>
-          <p:cNvPr id="1376363600" name=""/>
+          <p:cNvPr id="848149425" name=""/>
           <p:cNvSpPr/>
           <p:nvPr/>
         </p:nvSpPr>
@@ -5494,7 +5494,7 @@
       </p:sp>
       <p:sp>
         <p:nvSpPr>
-          <p:cNvPr id="50837231" name=""/>
+          <p:cNvPr id="1969963052" name=""/>
           <p:cNvSpPr/>
           <p:nvPr/>
         </p:nvSpPr>
@@ -5598,7 +5598,7 @@
       </p:sp>
       <p:pic>
         <p:nvPicPr>
-          <p:cNvPr id="1038723033" name=""/>
+          <p:cNvPr id="1950417701" name=""/>
           <p:cNvPicPr>
             <a:picLocks noChangeAspect="1"/>
           </p:cNvPicPr>
@@ -5620,7 +5620,7 @@
       </p:pic>
       <p:pic>
         <p:nvPicPr>
-          <p:cNvPr id="1664770235" name=""/>
+          <p:cNvPr id="714800661" name=""/>
           <p:cNvPicPr>
             <a:picLocks noChangeAspect="1"/>
           </p:cNvPicPr>
@@ -5642,7 +5642,7 @@
       </p:pic>
       <p:sp>
         <p:nvSpPr>
-          <p:cNvPr id="1026905031" name=""/>
+          <p:cNvPr id="584086625" name=""/>
           <p:cNvSpPr/>
           <p:nvPr/>
         </p:nvSpPr>
@@ -5718,7 +5718,7 @@
       </p:grpSpPr>
       <p:sp>
         <p:nvSpPr>
-          <p:cNvPr id="1845550902" name="Title 1"/>
+          <p:cNvPr id="970973697" name="Title 1"/>
           <p:cNvSpPr>
             <a:spLocks noGrp="1"/>
           </p:cNvSpPr>
@@ -5758,7 +5758,7 @@
       </p:sp>
       <p:sp>
         <p:nvSpPr>
-          <p:cNvPr id="2098086402" name="Content Placeholder 2"/>
+          <p:cNvPr id="934485938" name="Content Placeholder 2"/>
           <p:cNvSpPr>
             <a:spLocks noGrp="1"/>
           </p:cNvSpPr>
@@ -6020,7 +6020,7 @@
       </p:sp>
       <p:pic>
         <p:nvPicPr>
-          <p:cNvPr id="1524475331" name="Picture 3"/>
+          <p:cNvPr id="1126428685" name="Picture 3"/>
           <p:cNvPicPr>
             <a:picLocks noChangeAspect="1"/>
           </p:cNvPicPr>
@@ -6082,7 +6082,7 @@
       </p:grpSpPr>
       <p:sp>
         <p:nvSpPr>
-          <p:cNvPr id="1793784964" name="Title 1"/>
+          <p:cNvPr id="295238205" name="Title 1"/>
           <p:cNvSpPr>
             <a:spLocks noGrp="1"/>
           </p:cNvSpPr>
@@ -6122,7 +6122,7 @@
       </p:sp>
       <p:sp>
         <p:nvSpPr>
-          <p:cNvPr id="78188513" name="Content Placeholder 2"/>
+          <p:cNvPr id="1663172657" name="Content Placeholder 2"/>
           <p:cNvSpPr>
             <a:spLocks noGrp="1"/>
           </p:cNvSpPr>
@@ -6170,7 +6170,7 @@
       </p:sp>
       <p:pic>
         <p:nvPicPr>
-          <p:cNvPr id="961050985" name="Picture 3"/>
+          <p:cNvPr id="1158531845" name="Picture 3"/>
           <p:cNvPicPr>
             <a:picLocks noChangeAspect="1"/>
           </p:cNvPicPr>
@@ -6192,7 +6192,7 @@
       </p:pic>
       <p:pic>
         <p:nvPicPr>
-          <p:cNvPr id="1198663151" name=""/>
+          <p:cNvPr id="1988343804" name=""/>
           <p:cNvPicPr>
             <a:picLocks noChangeAspect="1"/>
           </p:cNvPicPr>
@@ -6254,7 +6254,7 @@
       </p:grpSpPr>
       <p:sp>
         <p:nvSpPr>
-          <p:cNvPr id="631180957" name="Title 1"/>
+          <p:cNvPr id="1020750170" name="Title 1"/>
           <p:cNvSpPr>
             <a:spLocks noGrp="1"/>
           </p:cNvSpPr>
@@ -6294,7 +6294,7 @@
       </p:sp>
       <p:sp>
         <p:nvSpPr>
-          <p:cNvPr id="1069011658" name="Content Placeholder 2"/>
+          <p:cNvPr id="646793256" name="Content Placeholder 2"/>
           <p:cNvSpPr>
             <a:spLocks noGrp="1"/>
           </p:cNvSpPr>
@@ -6605,7 +6605,7 @@
       </p:sp>
       <p:pic>
         <p:nvPicPr>
-          <p:cNvPr id="540382409" name="Picture 3"/>
+          <p:cNvPr id="1318945746" name="Picture 3"/>
           <p:cNvPicPr>
             <a:picLocks noChangeAspect="1"/>
           </p:cNvPicPr>
@@ -6627,7 +6627,7 @@
       </p:pic>
       <p:pic>
         <p:nvPicPr>
-          <p:cNvPr id="848823338" name=""/>
+          <p:cNvPr id="1382929688" name=""/>
           <p:cNvPicPr>
             <a:picLocks noChangeAspect="1"/>
           </p:cNvPicPr>
@@ -6639,7 +6639,7 @@
         </p:blipFill>
         <p:spPr bwMode="auto">
           <a:xfrm>
-            <a:off x="3489532" y="1833784"/>
+            <a:off x="3489531" y="1833784"/>
             <a:ext cx="4410074" cy="752474"/>
           </a:xfrm>
           <a:prstGeom prst="rect">
@@ -6649,7 +6649,7 @@
       </p:pic>
       <p:pic>
         <p:nvPicPr>
-          <p:cNvPr id="1980687786" name=""/>
+          <p:cNvPr id="877190253" name=""/>
           <p:cNvPicPr>
             <a:picLocks noChangeAspect="1"/>
           </p:cNvPicPr>
@@ -6671,7 +6671,7 @@
       </p:pic>
       <p:pic>
         <p:nvPicPr>
-          <p:cNvPr id="54229391" name=""/>
+          <p:cNvPr id="167310318" name=""/>
           <p:cNvPicPr>
             <a:picLocks noChangeAspect="1"/>
           </p:cNvPicPr>
@@ -6733,7 +6733,7 @@
       </p:grpSpPr>
       <p:sp>
         <p:nvSpPr>
-          <p:cNvPr id="2102620217" name="Title 1"/>
+          <p:cNvPr id="2025955062" name="Title 1"/>
           <p:cNvSpPr>
             <a:spLocks noGrp="1"/>
           </p:cNvSpPr>
@@ -6773,7 +6773,7 @@
       </p:sp>
       <p:sp>
         <p:nvSpPr>
-          <p:cNvPr id="462167217" name="Content Placeholder 2"/>
+          <p:cNvPr id="229694999" name="Content Placeholder 2"/>
           <p:cNvSpPr>
             <a:spLocks noGrp="1"/>
           </p:cNvSpPr>
@@ -6997,7 +6997,7 @@
       </p:sp>
       <p:pic>
         <p:nvPicPr>
-          <p:cNvPr id="189284989" name="Picture 3"/>
+          <p:cNvPr id="1601737875" name="Picture 3"/>
           <p:cNvPicPr>
             <a:picLocks noChangeAspect="1"/>
           </p:cNvPicPr>
@@ -7019,7 +7019,7 @@
       </p:pic>
       <p:pic>
         <p:nvPicPr>
-          <p:cNvPr id="17635820" name=""/>
+          <p:cNvPr id="689603854" name=""/>
           <p:cNvPicPr>
             <a:picLocks noChangeAspect="1"/>
           </p:cNvPicPr>
@@ -7081,7 +7081,7 @@
       </p:grpSpPr>
       <p:sp>
         <p:nvSpPr>
-          <p:cNvPr id="2143055046" name="Title 1"/>
+          <p:cNvPr id="331366865" name="Title 1"/>
           <p:cNvSpPr>
             <a:spLocks noGrp="1"/>
           </p:cNvSpPr>
@@ -7121,7 +7121,7 @@
       </p:sp>
       <p:sp>
         <p:nvSpPr>
-          <p:cNvPr id="1656664303" name="Content Placeholder 2"/>
+          <p:cNvPr id="1912942265" name="Content Placeholder 2"/>
           <p:cNvSpPr>
             <a:spLocks noGrp="1"/>
           </p:cNvSpPr>
@@ -7314,7 +7314,7 @@
       </p:sp>
       <p:pic>
         <p:nvPicPr>
-          <p:cNvPr id="1544004222" name="Picture 3"/>
+          <p:cNvPr id="1987777677" name="Picture 3"/>
           <p:cNvPicPr>
             <a:picLocks noChangeAspect="1"/>
           </p:cNvPicPr>
@@ -7376,7 +7376,7 @@
       </p:grpSpPr>
       <p:sp>
         <p:nvSpPr>
-          <p:cNvPr id="675605277" name="Title 1"/>
+          <p:cNvPr id="186698911" name="Title 1"/>
           <p:cNvSpPr>
             <a:spLocks noGrp="1"/>
           </p:cNvSpPr>
@@ -7414,7 +7414,7 @@
       </p:sp>
       <p:sp>
         <p:nvSpPr>
-          <p:cNvPr id="287872605" name="Content Placeholder 2"/>
+          <p:cNvPr id="1126395068" name="Content Placeholder 2"/>
           <p:cNvSpPr>
             <a:spLocks noGrp="1"/>
           </p:cNvSpPr>
@@ -7668,7 +7668,7 @@
       </p:sp>
       <p:pic>
         <p:nvPicPr>
-          <p:cNvPr id="1974814707" name="Picture 3"/>
+          <p:cNvPr id="1431789211" name="Picture 3"/>
           <p:cNvPicPr>
             <a:picLocks noChangeAspect="1"/>
           </p:cNvPicPr>
@@ -7690,7 +7690,7 @@
       </p:pic>
       <p:sp>
         <p:nvSpPr>
-          <p:cNvPr id="155661604" name=""/>
+          <p:cNvPr id="1478388630" name=""/>
           <p:cNvSpPr txBox="1"/>
           <p:nvPr/>
         </p:nvSpPr>
@@ -7716,6 +7716,28 @@
           </a:p>
         </p:txBody>
       </p:sp>
+      <p:pic>
+        <p:nvPicPr>
+          <p:cNvPr id="681552984" name=""/>
+          <p:cNvPicPr>
+            <a:picLocks noChangeAspect="1"/>
+          </p:cNvPicPr>
+          <p:nvPr/>
+        </p:nvPicPr>
+        <p:blipFill>
+          <a:blip r:embed="rId4"/>
+          <a:stretch/>
+        </p:blipFill>
+        <p:spPr bwMode="auto">
+          <a:xfrm flipH="0" flipV="0">
+            <a:off x="9126493" y="3479257"/>
+            <a:ext cx="2545290" cy="2800125"/>
+          </a:xfrm>
+          <a:prstGeom prst="rect">
+            <a:avLst/>
+          </a:prstGeom>
+        </p:spPr>
+      </p:pic>
     </p:spTree>
   </p:cSld>
   <p:clrMapOvr>
@@ -7758,7 +7780,7 @@
       </p:grpSpPr>
       <p:sp>
         <p:nvSpPr>
-          <p:cNvPr id="212989573" name="Title 1"/>
+          <p:cNvPr id="1865835428" name="Title 1"/>
           <p:cNvSpPr>
             <a:spLocks noGrp="1"/>
           </p:cNvSpPr>
@@ -7768,7 +7790,7 @@
         </p:nvSpPr>
         <p:spPr bwMode="auto">
           <a:xfrm>
-            <a:off x="295033" y="42545"/>
+            <a:off x="194067" y="-19767"/>
             <a:ext cx="10515600" cy="1325559"/>
           </a:xfrm>
         </p:spPr>
@@ -7796,7 +7818,7 @@
       </p:sp>
       <p:sp>
         <p:nvSpPr>
-          <p:cNvPr id="1802800427" name="Content Placeholder 2"/>
+          <p:cNvPr id="1131920559" name="Content Placeholder 2"/>
           <p:cNvSpPr>
             <a:spLocks noGrp="1"/>
           </p:cNvSpPr>
@@ -7806,7 +7828,7 @@
         </p:nvSpPr>
         <p:spPr bwMode="auto">
           <a:xfrm flipH="0" flipV="0">
-            <a:off x="194068" y="1210214"/>
+            <a:off x="194067" y="1103391"/>
             <a:ext cx="11620618" cy="5982711"/>
           </a:xfrm>
         </p:spPr>
@@ -8247,7 +8269,7 @@
       </p:sp>
       <p:pic>
         <p:nvPicPr>
-          <p:cNvPr id="1743736678" name="Picture 3"/>
+          <p:cNvPr id="963025719" name="Picture 3"/>
           <p:cNvPicPr>
             <a:picLocks noChangeAspect="1"/>
           </p:cNvPicPr>
@@ -8269,7 +8291,7 @@
       </p:pic>
       <p:sp>
         <p:nvSpPr>
-          <p:cNvPr id="1866978853" name=""/>
+          <p:cNvPr id="1515835324" name=""/>
           <p:cNvSpPr txBox="1"/>
           <p:nvPr/>
         </p:nvSpPr>
@@ -8291,6 +8313,81 @@
             <a:pPr algn="l">
               <a:defRPr/>
             </a:pPr>
+            <a:endParaRPr/>
+          </a:p>
+        </p:txBody>
+      </p:sp>
+      <p:sp>
+        <p:nvSpPr>
+          <p:cNvPr id="1894063672" name=""/>
+          <p:cNvSpPr txBox="1"/>
+          <p:nvPr/>
+        </p:nvSpPr>
+        <p:spPr bwMode="auto">
+          <a:xfrm flipH="0" flipV="0">
+            <a:off x="573716" y="6462759"/>
+            <a:ext cx="2862434" cy="365759"/>
+          </a:xfrm>
+          <a:prstGeom prst="rect">
+            <a:avLst/>
+          </a:prstGeom>
+          <a:noFill/>
+        </p:spPr>
+        <p:txBody>
+          <a:bodyPr vertOverflow="overflow" horzOverflow="overflow" vert="horz" wrap="square" lIns="91440" tIns="45720" rIns="91440" bIns="45720" numCol="1" spcCol="0" rtlCol="0" fromWordArt="0" anchor="t" anchorCtr="0" forceAA="0" upright="0" compatLnSpc="0">
+            <a:spAutoFit/>
+          </a:bodyPr>
+          <a:p>
+            <a:pPr algn="l">
+              <a:defRPr/>
+            </a:pPr>
+            <a:r>
+              <a:rPr b="0" i="0" u="none">
+                <a:solidFill>
+                  <a:schemeClr val="bg1"/>
+                </a:solidFill>
+                <a:latin typeface="Times New Roman"/>
+                <a:ea typeface="Times New Roman"/>
+                <a:cs typeface="Times New Roman"/>
+              </a:rPr>
+              <a:t>Lesson Code – GitHub URL:</a:t>
+            </a:r>
+            <a:endParaRPr/>
+          </a:p>
+        </p:txBody>
+      </p:sp>
+      <p:sp>
+        <p:nvSpPr>
+          <p:cNvPr id="974819613" name=""/>
+          <p:cNvSpPr txBox="1"/>
+          <p:nvPr/>
+        </p:nvSpPr>
+        <p:spPr bwMode="auto">
+          <a:xfrm flipH="0" flipV="0">
+            <a:off x="4814642" y="6005559"/>
+            <a:ext cx="6839894" cy="914760"/>
+          </a:xfrm>
+          <a:prstGeom prst="rect">
+            <a:avLst/>
+          </a:prstGeom>
+          <a:noFill/>
+        </p:spPr>
+        <p:txBody>
+          <a:bodyPr vertOverflow="overflow" horzOverflow="overflow" vert="horz" wrap="square" lIns="91440" tIns="45720" rIns="91440" bIns="45720" numCol="1" spcCol="0" rtlCol="0" fromWordArt="0" anchor="t" anchorCtr="0" forceAA="0" upright="0" compatLnSpc="0">
+            <a:spAutoFit/>
+          </a:bodyPr>
+          <a:p>
+            <a:pPr algn="l">
+              <a:defRPr/>
+            </a:pPr>
+            <a:r>
+              <a:rPr>
+                <a:solidFill>
+                  <a:schemeClr val="bg1"/>
+                </a:solidFill>
+              </a:rPr>
+              <a:t>https://github.com/info-zas/zas-robotics-car-3-encoders-imu-gps/tree/main/01_FoundationProjects/08_Car-3_MPU6050_Gyroscope_Calibration_Offset_OLED</a:t>
+            </a:r>
             <a:endParaRPr/>
           </a:p>
         </p:txBody>
@@ -8337,7 +8434,7 @@
       </p:grpSpPr>
       <p:sp>
         <p:nvSpPr>
-          <p:cNvPr id="1334369487" name="Title 1"/>
+          <p:cNvPr id="340856662" name="Title 1"/>
           <p:cNvSpPr>
             <a:spLocks noGrp="1"/>
           </p:cNvSpPr>
@@ -8372,7 +8469,7 @@
       </p:sp>
       <p:sp>
         <p:nvSpPr>
-          <p:cNvPr id="1093824648" name="Content Placeholder 2"/>
+          <p:cNvPr id="407433377" name="Content Placeholder 2"/>
           <p:cNvSpPr>
             <a:spLocks noGrp="1"/>
           </p:cNvSpPr>
@@ -8454,7 +8551,7 @@
       </p:sp>
       <p:pic>
         <p:nvPicPr>
-          <p:cNvPr id="654402813" name="Picture 3"/>
+          <p:cNvPr id="958620003" name="Picture 3"/>
           <p:cNvPicPr>
             <a:picLocks noChangeAspect="1"/>
           </p:cNvPicPr>
@@ -8516,7 +8613,7 @@
       </p:grpSpPr>
       <p:sp>
         <p:nvSpPr>
-          <p:cNvPr id="365939939" name="Title 1"/>
+          <p:cNvPr id="423595437" name="Title 1"/>
           <p:cNvSpPr>
             <a:spLocks noGrp="1"/>
           </p:cNvSpPr>
@@ -8556,7 +8653,7 @@
       </p:sp>
       <p:sp>
         <p:nvSpPr>
-          <p:cNvPr id="523558320" name="Content Placeholder 2"/>
+          <p:cNvPr id="755026152" name="Content Placeholder 2"/>
           <p:cNvSpPr>
             <a:spLocks noGrp="1"/>
           </p:cNvSpPr>
@@ -9040,7 +9137,7 @@
       </p:sp>
       <p:pic>
         <p:nvPicPr>
-          <p:cNvPr id="1720802703" name="Picture 3"/>
+          <p:cNvPr id="423644251" name="Picture 3"/>
           <p:cNvPicPr>
             <a:picLocks noChangeAspect="1"/>
           </p:cNvPicPr>
@@ -9102,7 +9199,7 @@
       </p:grpSpPr>
       <p:sp>
         <p:nvSpPr>
-          <p:cNvPr id="1176036742" name="Title 1"/>
+          <p:cNvPr id="1681060632" name="Title 1"/>
           <p:cNvSpPr>
             <a:spLocks noGrp="1"/>
           </p:cNvSpPr>
@@ -9142,7 +9239,7 @@
       </p:sp>
       <p:sp>
         <p:nvSpPr>
-          <p:cNvPr id="1131231390" name="Content Placeholder 2"/>
+          <p:cNvPr id="546620165" name="Content Placeholder 2"/>
           <p:cNvSpPr>
             <a:spLocks noGrp="1"/>
           </p:cNvSpPr>
@@ -9465,7 +9562,7 @@
       </p:sp>
       <p:pic>
         <p:nvPicPr>
-          <p:cNvPr id="1394973619" name="Picture 3"/>
+          <p:cNvPr id="870300488" name="Picture 3"/>
           <p:cNvPicPr>
             <a:picLocks noChangeAspect="1"/>
           </p:cNvPicPr>
@@ -9527,7 +9624,7 @@
       </p:grpSpPr>
       <p:sp>
         <p:nvSpPr>
-          <p:cNvPr id="557710127" name="Title 1"/>
+          <p:cNvPr id="1547869480" name="Title 1"/>
           <p:cNvSpPr>
             <a:spLocks noGrp="1"/>
           </p:cNvSpPr>
@@ -9567,7 +9664,7 @@
       </p:sp>
       <p:sp>
         <p:nvSpPr>
-          <p:cNvPr id="1095912968" name="Content Placeholder 2"/>
+          <p:cNvPr id="206468227" name="Content Placeholder 2"/>
           <p:cNvSpPr>
             <a:spLocks noGrp="1"/>
           </p:cNvSpPr>
@@ -9739,7 +9836,7 @@
       </p:sp>
       <p:pic>
         <p:nvPicPr>
-          <p:cNvPr id="221180029" name="Picture 3"/>
+          <p:cNvPr id="508545831" name="Picture 3"/>
           <p:cNvPicPr>
             <a:picLocks noChangeAspect="1"/>
           </p:cNvPicPr>
@@ -9801,7 +9898,7 @@
       </p:grpSpPr>
       <p:sp>
         <p:nvSpPr>
-          <p:cNvPr id="799539215" name="Title 1"/>
+          <p:cNvPr id="1887825080" name="Title 1"/>
           <p:cNvSpPr>
             <a:spLocks noGrp="1"/>
           </p:cNvSpPr>
@@ -9841,7 +9938,7 @@
       </p:sp>
       <p:sp>
         <p:nvSpPr>
-          <p:cNvPr id="1023104077" name="Content Placeholder 2"/>
+          <p:cNvPr id="1248297448" name="Content Placeholder 2"/>
           <p:cNvSpPr>
             <a:spLocks noGrp="1"/>
           </p:cNvSpPr>
@@ -9920,7 +10017,7 @@
       </p:sp>
       <p:pic>
         <p:nvPicPr>
-          <p:cNvPr id="1739459135" name="Picture 3"/>
+          <p:cNvPr id="1347265415" name="Picture 3"/>
           <p:cNvPicPr>
             <a:picLocks noChangeAspect="1"/>
           </p:cNvPicPr>
@@ -9942,7 +10039,7 @@
       </p:pic>
       <p:pic>
         <p:nvPicPr>
-          <p:cNvPr id="231333450" name=""/>
+          <p:cNvPr id="1747755529" name=""/>
           <p:cNvPicPr>
             <a:picLocks noChangeAspect="1"/>
           </p:cNvPicPr>
@@ -9954,7 +10051,7 @@
         </p:blipFill>
         <p:spPr bwMode="auto">
           <a:xfrm flipH="0" flipV="0">
-            <a:off x="409173" y="1651296"/>
+            <a:off x="409173" y="1651295"/>
             <a:ext cx="10223572" cy="4940537"/>
           </a:xfrm>
           <a:prstGeom prst="rect">
@@ -10004,7 +10101,7 @@
       </p:grpSpPr>
       <p:sp>
         <p:nvSpPr>
-          <p:cNvPr id="75492484" name="Title 1"/>
+          <p:cNvPr id="872296779" name="Title 1"/>
           <p:cNvSpPr>
             <a:spLocks noGrp="1"/>
           </p:cNvSpPr>
@@ -10044,7 +10141,7 @@
       </p:sp>
       <p:sp>
         <p:nvSpPr>
-          <p:cNvPr id="1996707471" name="Content Placeholder 2"/>
+          <p:cNvPr id="740716760" name="Content Placeholder 2"/>
           <p:cNvSpPr>
             <a:spLocks noGrp="1"/>
           </p:cNvSpPr>
@@ -10108,7 +10205,7 @@
       </p:sp>
       <p:pic>
         <p:nvPicPr>
-          <p:cNvPr id="578101608" name="Picture 3"/>
+          <p:cNvPr id="923570127" name="Picture 3"/>
           <p:cNvPicPr>
             <a:picLocks noChangeAspect="1"/>
           </p:cNvPicPr>
@@ -10130,7 +10227,7 @@
       </p:pic>
       <p:graphicFrame>
         <p:nvGraphicFramePr>
-          <p:cNvPr id="582199705" name=""/>
+          <p:cNvPr id="1278488480" name=""/>
           <p:cNvGraphicFramePr>
             <a:graphicFrameLocks xmlns:a="http://schemas.openxmlformats.org/drawingml/2006/main"/>
           </p:cNvGraphicFramePr>
@@ -10451,7 +10548,7 @@
       </p:graphicFrame>
       <p:sp>
         <p:nvSpPr>
-          <p:cNvPr id="4592553" name=""/>
+          <p:cNvPr id="1471616482" name=""/>
           <p:cNvSpPr/>
           <p:nvPr/>
         </p:nvSpPr>
@@ -10565,7 +10662,7 @@
       </p:sp>
       <p:sp>
         <p:nvSpPr>
-          <p:cNvPr id="55872197" name=""/>
+          <p:cNvPr id="115107007" name=""/>
           <p:cNvSpPr/>
           <p:nvPr/>
         </p:nvSpPr>
@@ -10712,7 +10809,7 @@
       </p:sp>
       <p:pic>
         <p:nvPicPr>
-          <p:cNvPr id="281301077" name=""/>
+          <p:cNvPr id="753320298" name=""/>
           <p:cNvPicPr>
             <a:picLocks noChangeAspect="1"/>
           </p:cNvPicPr>
@@ -10774,7 +10871,7 @@
       </p:grpSpPr>
       <p:sp>
         <p:nvSpPr>
-          <p:cNvPr id="1242299819" name="Title 1"/>
+          <p:cNvPr id="66767464" name="Title 1"/>
           <p:cNvSpPr>
             <a:spLocks noGrp="1"/>
           </p:cNvSpPr>
@@ -10814,7 +10911,7 @@
       </p:sp>
       <p:sp>
         <p:nvSpPr>
-          <p:cNvPr id="713997268" name="Content Placeholder 2"/>
+          <p:cNvPr id="1367250582" name="Content Placeholder 2"/>
           <p:cNvSpPr>
             <a:spLocks noGrp="1"/>
           </p:cNvSpPr>
@@ -10927,7 +11024,7 @@
       </p:sp>
       <p:pic>
         <p:nvPicPr>
-          <p:cNvPr id="648917611" name="Picture 3"/>
+          <p:cNvPr id="1160647101" name="Picture 3"/>
           <p:cNvPicPr>
             <a:picLocks noChangeAspect="1"/>
           </p:cNvPicPr>
@@ -10949,7 +11046,7 @@
       </p:pic>
       <p:graphicFrame>
         <p:nvGraphicFramePr>
-          <p:cNvPr id="587680483" name=""/>
+          <p:cNvPr id="1995125971" name=""/>
           <p:cNvGraphicFramePr>
             <a:graphicFrameLocks xmlns:a="http://schemas.openxmlformats.org/drawingml/2006/main"/>
           </p:cNvGraphicFramePr>
@@ -11239,13 +11336,13 @@
       </p:graphicFrame>
       <p:sp>
         <p:nvSpPr>
-          <p:cNvPr id="445019121" name=""/>
+          <p:cNvPr id="1522025648" name=""/>
           <p:cNvSpPr txBox="1"/>
           <p:nvPr/>
         </p:nvSpPr>
         <p:spPr bwMode="auto">
           <a:xfrm flipH="0" flipV="0">
-            <a:off x="374055" y="3315373"/>
+            <a:off x="374055" y="3315372"/>
             <a:ext cx="7238673" cy="518519"/>
           </a:xfrm>
           <a:prstGeom prst="rect">
@@ -11275,7 +11372,7 @@
       </p:sp>
       <p:sp>
         <p:nvSpPr>
-          <p:cNvPr id="614055573" name=""/>
+          <p:cNvPr id="1230845183" name=""/>
           <p:cNvSpPr txBox="1"/>
           <p:nvPr/>
         </p:nvSpPr>
@@ -11406,7 +11503,7 @@
       </p:sp>
       <p:sp>
         <p:nvSpPr>
-          <p:cNvPr id="708528129" name=""/>
+          <p:cNvPr id="1108632328" name=""/>
           <p:cNvSpPr txBox="1"/>
           <p:nvPr/>
         </p:nvSpPr>
@@ -11522,7 +11619,7 @@
       </p:grpSpPr>
       <p:sp>
         <p:nvSpPr>
-          <p:cNvPr id="1814594548" name="Title 1"/>
+          <p:cNvPr id="1806379175" name="Title 1"/>
           <p:cNvSpPr>
             <a:spLocks noGrp="1"/>
           </p:cNvSpPr>
@@ -11562,7 +11659,7 @@
       </p:sp>
       <p:sp>
         <p:nvSpPr>
-          <p:cNvPr id="1526755421" name="Content Placeholder 2"/>
+          <p:cNvPr id="483131418" name="Content Placeholder 2"/>
           <p:cNvSpPr>
             <a:spLocks noGrp="1"/>
           </p:cNvSpPr>
@@ -11661,7 +11758,7 @@
       </p:sp>
       <p:pic>
         <p:nvPicPr>
-          <p:cNvPr id="63902128" name="Picture 3"/>
+          <p:cNvPr id="4175289" name="Picture 3"/>
           <p:cNvPicPr>
             <a:picLocks noChangeAspect="1"/>
           </p:cNvPicPr>
@@ -11683,7 +11780,7 @@
       </p:pic>
       <p:pic>
         <p:nvPicPr>
-          <p:cNvPr id="1757812051" name=""/>
+          <p:cNvPr id="1631322599" name=""/>
           <p:cNvPicPr>
             <a:picLocks noChangeAspect="1"/>
           </p:cNvPicPr>
@@ -11705,7 +11802,7 @@
       </p:pic>
       <p:sp>
         <p:nvSpPr>
-          <p:cNvPr id="158123835" name=""/>
+          <p:cNvPr id="560502820" name=""/>
           <p:cNvSpPr/>
           <p:nvPr/>
         </p:nvSpPr>
@@ -11752,7 +11849,7 @@
       </p:sp>
       <p:pic>
         <p:nvPicPr>
-          <p:cNvPr id="668620172" name=""/>
+          <p:cNvPr id="756426084" name=""/>
           <p:cNvPicPr>
             <a:picLocks noChangeAspect="1"/>
           </p:cNvPicPr>
@@ -11764,7 +11861,7 @@
         </p:blipFill>
         <p:spPr bwMode="auto">
           <a:xfrm>
-            <a:off x="3529708" y="3986931"/>
+            <a:off x="3529708" y="3986930"/>
             <a:ext cx="1543050" cy="390524"/>
           </a:xfrm>
           <a:prstGeom prst="rect">
@@ -11774,7 +11871,7 @@
       </p:pic>
       <p:sp>
         <p:nvSpPr>
-          <p:cNvPr id="1865149827" name=""/>
+          <p:cNvPr id="1653695124" name=""/>
           <p:cNvSpPr/>
           <p:nvPr/>
         </p:nvSpPr>
@@ -11852,7 +11949,7 @@
       </p:grpSpPr>
       <p:sp>
         <p:nvSpPr>
-          <p:cNvPr id="136995478" name="Title 1"/>
+          <p:cNvPr id="1584331467" name="Title 1"/>
           <p:cNvSpPr>
             <a:spLocks noGrp="1"/>
           </p:cNvSpPr>
@@ -11892,7 +11989,7 @@
       </p:sp>
       <p:sp>
         <p:nvSpPr>
-          <p:cNvPr id="1824824668" name="Content Placeholder 2"/>
+          <p:cNvPr id="136190019" name="Content Placeholder 2"/>
           <p:cNvSpPr>
             <a:spLocks noGrp="1"/>
           </p:cNvSpPr>
@@ -12095,7 +12192,7 @@
       </p:sp>
       <p:pic>
         <p:nvPicPr>
-          <p:cNvPr id="986818061" name="Picture 3"/>
+          <p:cNvPr id="891604202" name="Picture 3"/>
           <p:cNvPicPr>
             <a:picLocks noChangeAspect="1"/>
           </p:cNvPicPr>
@@ -12117,7 +12214,7 @@
       </p:pic>
       <p:pic>
         <p:nvPicPr>
-          <p:cNvPr id="364430772" name=""/>
+          <p:cNvPr id="549380338" name=""/>
           <p:cNvPicPr>
             <a:picLocks noChangeAspect="1"/>
           </p:cNvPicPr>
@@ -12139,7 +12236,7 @@
       </p:pic>
       <p:sp>
         <p:nvSpPr>
-          <p:cNvPr id="480466185" name=""/>
+          <p:cNvPr id="1982848930" name=""/>
           <p:cNvSpPr/>
           <p:nvPr/>
         </p:nvSpPr>
